--- a/ModelisationMultiphysique/ApplicationsPedagogiques/Ecarts.pptx
+++ b/ModelisationMultiphysique/ApplicationsPedagogiques/Ecarts.pptx
@@ -9689,13 +9689,18 @@
           <a:p>
             <a:pPr algn="ctr"/>
             <a:r>
-              <a:rPr lang="fr-FR" dirty="0">
+              <a:rPr lang="fr-FR" dirty="0" smtClean="0">
                 <a:solidFill>
                   <a:prstClr val="black"/>
                 </a:solidFill>
               </a:rPr>
-              <a:t>Système souhaité</a:t>
-            </a:r>
+              <a:t>Domaine du client</a:t>
+            </a:r>
+            <a:endParaRPr lang="fr-FR" dirty="0">
+              <a:solidFill>
+                <a:prstClr val="black"/>
+              </a:solidFill>
+            </a:endParaRPr>
           </a:p>
         </p:txBody>
       </p:sp>
@@ -9734,13 +9739,18 @@
           <a:p>
             <a:pPr algn="ctr"/>
             <a:r>
-              <a:rPr lang="fr-FR" dirty="0">
+              <a:rPr lang="fr-FR" dirty="0" smtClean="0">
                 <a:solidFill>
                   <a:prstClr val="black"/>
                 </a:solidFill>
               </a:rPr>
-              <a:t>Système réel en utilisation</a:t>
-            </a:r>
+              <a:t>Domaine du laboratoire</a:t>
+            </a:r>
+            <a:endParaRPr lang="fr-FR" dirty="0">
+              <a:solidFill>
+                <a:prstClr val="black"/>
+              </a:solidFill>
+            </a:endParaRPr>
           </a:p>
         </p:txBody>
       </p:sp>
@@ -9779,13 +9789,18 @@
           <a:p>
             <a:pPr algn="ctr"/>
             <a:r>
-              <a:rPr lang="fr-FR" dirty="0">
+              <a:rPr lang="fr-FR" dirty="0" smtClean="0">
                 <a:solidFill>
                   <a:prstClr val="black"/>
                 </a:solidFill>
               </a:rPr>
-              <a:t>Système conçu</a:t>
-            </a:r>
+              <a:t>Domaine de la simulation</a:t>
+            </a:r>
+            <a:endParaRPr lang="fr-FR" dirty="0">
+              <a:solidFill>
+                <a:prstClr val="black"/>
+              </a:solidFill>
+            </a:endParaRPr>
           </a:p>
         </p:txBody>
       </p:sp>
@@ -9813,24 +9828,34 @@
           <a:p>
             <a:pPr algn="ctr"/>
             <a:r>
-              <a:rPr lang="fr-FR" dirty="0">
+              <a:rPr lang="fr-FR" dirty="0" smtClean="0">
                 <a:solidFill>
                   <a:prstClr val="black"/>
                 </a:solidFill>
               </a:rPr>
-              <a:t>Service </a:t>
-            </a:r>
+              <a:t>Performances</a:t>
+            </a:r>
+            <a:endParaRPr lang="fr-FR" dirty="0">
+              <a:solidFill>
+                <a:prstClr val="black"/>
+              </a:solidFill>
+            </a:endParaRPr>
           </a:p>
           <a:p>
             <a:pPr algn="ctr"/>
             <a:r>
-              <a:rPr lang="fr-FR" dirty="0">
+              <a:rPr lang="fr-FR" dirty="0" smtClean="0">
                 <a:solidFill>
                   <a:prstClr val="black"/>
                 </a:solidFill>
               </a:rPr>
-              <a:t>attendu</a:t>
-            </a:r>
+              <a:t>attendues</a:t>
+            </a:r>
+            <a:endParaRPr lang="fr-FR" dirty="0">
+              <a:solidFill>
+                <a:prstClr val="black"/>
+              </a:solidFill>
+            </a:endParaRPr>
           </a:p>
         </p:txBody>
       </p:sp>
@@ -9858,24 +9883,18 @@
           <a:p>
             <a:pPr algn="ctr"/>
             <a:r>
-              <a:rPr lang="fr-FR" dirty="0">
+              <a:rPr lang="fr-FR" dirty="0" smtClean="0">
                 <a:solidFill>
                   <a:prstClr val="black"/>
                 </a:solidFill>
               </a:rPr>
-              <a:t>Service </a:t>
-            </a:r>
-          </a:p>
-          <a:p>
-            <a:pPr algn="ctr"/>
-            <a:r>
-              <a:rPr lang="fr-FR" dirty="0">
-                <a:solidFill>
-                  <a:prstClr val="black"/>
-                </a:solidFill>
-              </a:rPr>
-              <a:t>réalisé</a:t>
-            </a:r>
+              <a:t>Performances mesurées</a:t>
+            </a:r>
+            <a:endParaRPr lang="fr-FR" dirty="0">
+              <a:solidFill>
+                <a:prstClr val="black"/>
+              </a:solidFill>
+            </a:endParaRPr>
           </a:p>
         </p:txBody>
       </p:sp>
@@ -9903,66 +9922,16 @@
           <a:p>
             <a:pPr algn="ctr"/>
             <a:r>
-              <a:rPr lang="fr-FR" dirty="0">
+              <a:rPr lang="fr-FR" dirty="0" smtClean="0">
                 <a:solidFill>
                   <a:prstClr val="black"/>
                 </a:solidFill>
               </a:rPr>
-              <a:t>Service </a:t>
-            </a:r>
-          </a:p>
-          <a:p>
-            <a:pPr algn="ctr"/>
-            <a:r>
-              <a:rPr lang="fr-FR" dirty="0">
-                <a:solidFill>
-                  <a:prstClr val="black"/>
-                </a:solidFill>
-              </a:rPr>
-              <a:t>simulé</a:t>
-            </a:r>
-          </a:p>
-        </p:txBody>
-      </p:sp>
-      <p:sp>
-        <p:nvSpPr>
-          <p:cNvPr id="7" name="Double flèche verticale 6"/>
-          <p:cNvSpPr/>
-          <p:nvPr/>
-        </p:nvSpPr>
-        <p:spPr>
-          <a:xfrm>
-            <a:off x="6537530" y="2592097"/>
-            <a:ext cx="504056" cy="1106764"/>
-          </a:xfrm>
-          <a:prstGeom prst="upDownArrow">
-            <a:avLst/>
-          </a:prstGeom>
-        </p:spPr>
-        <p:style>
-          <a:lnRef idx="2">
-            <a:schemeClr val="accent1">
-              <a:shade val="50000"/>
-            </a:schemeClr>
-          </a:lnRef>
-          <a:fillRef idx="1">
-            <a:schemeClr val="accent1"/>
-          </a:fillRef>
-          <a:effectRef idx="0">
-            <a:schemeClr val="accent1"/>
-          </a:effectRef>
-          <a:fontRef idx="minor">
-            <a:schemeClr val="lt1"/>
-          </a:fontRef>
-        </p:style>
-        <p:txBody>
-          <a:bodyPr rtlCol="0" anchor="ctr"/>
-          <a:lstStyle/>
-          <a:p>
-            <a:pPr algn="ctr"/>
-            <a:endParaRPr lang="fr-FR" sz="500" dirty="0">
+              <a:t>Performance simulées</a:t>
+            </a:r>
+            <a:endParaRPr lang="fr-FR" dirty="0">
               <a:solidFill>
-                <a:prstClr val="white"/>
+                <a:prstClr val="black"/>
               </a:solidFill>
             </a:endParaRPr>
           </a:p>
@@ -10183,6 +10152,72 @@
               </a:rPr>
               <a:t>Ecart 3</a:t>
             </a:r>
+          </a:p>
+        </p:txBody>
+      </p:sp>
+      <p:sp>
+        <p:nvSpPr>
+          <p:cNvPr id="20" name="Double flèche verticale 19"/>
+          <p:cNvSpPr/>
+          <p:nvPr/>
+        </p:nvSpPr>
+        <p:spPr>
+          <a:xfrm>
+            <a:off x="6537530" y="2613359"/>
+            <a:ext cx="504056" cy="1106764"/>
+          </a:xfrm>
+          <a:prstGeom prst="upDownArrow">
+            <a:avLst/>
+          </a:prstGeom>
+          <a:solidFill>
+            <a:schemeClr val="accent1">
+              <a:lumMod val="20000"/>
+              <a:lumOff val="80000"/>
+            </a:schemeClr>
+          </a:solidFill>
+          <a:ln>
+            <a:solidFill>
+              <a:schemeClr val="accent1">
+                <a:lumMod val="60000"/>
+                <a:lumOff val="40000"/>
+              </a:schemeClr>
+            </a:solidFill>
+          </a:ln>
+        </p:spPr>
+        <p:style>
+          <a:lnRef idx="2">
+            <a:schemeClr val="accent1">
+              <a:shade val="50000"/>
+            </a:schemeClr>
+          </a:lnRef>
+          <a:fillRef idx="1">
+            <a:schemeClr val="accent1"/>
+          </a:fillRef>
+          <a:effectRef idx="0">
+            <a:schemeClr val="accent1"/>
+          </a:effectRef>
+          <a:fontRef idx="minor">
+            <a:schemeClr val="lt1"/>
+          </a:fontRef>
+        </p:style>
+        <p:txBody>
+          <a:bodyPr rtlCol="0" anchor="ctr"/>
+          <a:lstStyle/>
+          <a:p>
+            <a:pPr algn="ctr"/>
+            <a:r>
+              <a:rPr lang="fr-FR" sz="500" dirty="0" smtClean="0">
+                <a:solidFill>
+                  <a:prstClr val="white"/>
+                </a:solidFill>
+              </a:rPr>
+              <a:t>  </a:t>
+            </a:r>
+            <a:endParaRPr lang="fr-FR" sz="500" dirty="0">
+              <a:solidFill>
+                <a:prstClr val="white"/>
+              </a:solidFill>
+            </a:endParaRPr>
           </a:p>
         </p:txBody>
       </p:sp>

--- a/ModelisationMultiphysique/ApplicationsPedagogiques/Ecarts.pptx
+++ b/ModelisationMultiphysique/ApplicationsPedagogiques/Ecarts.pptx
@@ -6,7 +6,8 @@
   </p:sldMasterIdLst>
   <p:sldIdLst>
     <p:sldId id="257" r:id="rId2"/>
-    <p:sldId id="258" r:id="rId3"/>
+    <p:sldId id="259" r:id="rId3"/>
+    <p:sldId id="258" r:id="rId4"/>
   </p:sldIdLst>
   <p:sldSz cx="9144000" cy="6858000" type="screen4x3"/>
   <p:notesSz cx="6858000" cy="9144000"/>
@@ -10260,6 +10261,879 @@
       </p:grpSpPr>
       <p:pic>
         <p:nvPicPr>
+          <p:cNvPr id="2051" name="Picture 3"/>
+          <p:cNvPicPr>
+            <a:picLocks noChangeAspect="1" noChangeArrowheads="1"/>
+          </p:cNvPicPr>
+          <p:nvPr/>
+        </p:nvPicPr>
+        <p:blipFill rotWithShape="1">
+          <a:blip r:embed="rId2" cstate="print">
+            <a:extLst>
+              <a:ext uri="{28A0092B-C50C-407E-A947-70E740481C1C}">
+                <a14:useLocalDpi xmlns:a14="http://schemas.microsoft.com/office/drawing/2010/main" val="0"/>
+              </a:ext>
+            </a:extLst>
+          </a:blip>
+          <a:srcRect l="51281" r="13060" b="33332"/>
+          <a:stretch/>
+        </p:blipFill>
+        <p:spPr bwMode="auto">
+          <a:xfrm>
+            <a:off x="793040" y="5623995"/>
+            <a:ext cx="1998480" cy="1174491"/>
+          </a:xfrm>
+          <a:prstGeom prst="rect">
+            <a:avLst/>
+          </a:prstGeom>
+          <a:ln>
+            <a:noFill/>
+          </a:ln>
+          <a:effectLst>
+            <a:outerShdw dist="35921" dir="2700000" algn="ctr" rotWithShape="0">
+              <a:schemeClr val="bg2"/>
+            </a:outerShdw>
+          </a:effectLst>
+          <a:scene3d>
+            <a:camera prst="isometricOffAxis1Right"/>
+            <a:lightRig rig="threePt" dir="t"/>
+          </a:scene3d>
+          <a:extLst>
+            <a:ext uri="{909E8E84-426E-40DD-AFC4-6F175D3DCCD1}">
+              <a14:hiddenFill xmlns:a14="http://schemas.microsoft.com/office/drawing/2010/main">
+                <a:solidFill>
+                  <a:schemeClr val="accent1"/>
+                </a:solidFill>
+              </a14:hiddenFill>
+            </a:ext>
+            <a:ext uri="{91240B29-F687-4F45-9708-019B960494DF}">
+              <a14:hiddenLine xmlns:a14="http://schemas.microsoft.com/office/drawing/2010/main" w="9525">
+                <a:solidFill>
+                  <a:schemeClr val="tx1"/>
+                </a:solidFill>
+                <a:miter lim="800000"/>
+                <a:headEnd/>
+                <a:tailEnd/>
+              </a14:hiddenLine>
+            </a:ext>
+          </a:extLst>
+        </p:spPr>
+      </p:pic>
+      <p:sp>
+        <p:nvSpPr>
+          <p:cNvPr id="4" name="Flèche droite 3"/>
+          <p:cNvSpPr/>
+          <p:nvPr/>
+        </p:nvSpPr>
+        <p:spPr>
+          <a:xfrm>
+            <a:off x="2771800" y="1772816"/>
+            <a:ext cx="3037584" cy="716632"/>
+          </a:xfrm>
+          <a:prstGeom prst="rightArrow">
+            <a:avLst/>
+          </a:prstGeom>
+        </p:spPr>
+        <p:style>
+          <a:lnRef idx="1">
+            <a:schemeClr val="accent5"/>
+          </a:lnRef>
+          <a:fillRef idx="2">
+            <a:schemeClr val="accent5"/>
+          </a:fillRef>
+          <a:effectRef idx="1">
+            <a:schemeClr val="accent5"/>
+          </a:effectRef>
+          <a:fontRef idx="minor">
+            <a:schemeClr val="dk1"/>
+          </a:fontRef>
+        </p:style>
+        <p:txBody>
+          <a:bodyPr rtlCol="0" anchor="ctr"/>
+          <a:lstStyle/>
+          <a:p>
+            <a:pPr algn="ctr"/>
+            <a:r>
+              <a:rPr lang="fr-FR" dirty="0" smtClean="0">
+                <a:solidFill>
+                  <a:prstClr val="black"/>
+                </a:solidFill>
+              </a:rPr>
+              <a:t>Domaine du client</a:t>
+            </a:r>
+            <a:endParaRPr lang="fr-FR" dirty="0">
+              <a:solidFill>
+                <a:prstClr val="black"/>
+              </a:solidFill>
+            </a:endParaRPr>
+          </a:p>
+        </p:txBody>
+      </p:sp>
+      <p:sp>
+        <p:nvSpPr>
+          <p:cNvPr id="13" name="Flèche droite 12"/>
+          <p:cNvSpPr/>
+          <p:nvPr/>
+        </p:nvSpPr>
+        <p:spPr>
+          <a:xfrm>
+            <a:off x="2771800" y="3780534"/>
+            <a:ext cx="3037584" cy="716632"/>
+          </a:xfrm>
+          <a:prstGeom prst="rightArrow">
+            <a:avLst/>
+          </a:prstGeom>
+        </p:spPr>
+        <p:style>
+          <a:lnRef idx="1">
+            <a:schemeClr val="accent5"/>
+          </a:lnRef>
+          <a:fillRef idx="2">
+            <a:schemeClr val="accent5"/>
+          </a:fillRef>
+          <a:effectRef idx="1">
+            <a:schemeClr val="accent5"/>
+          </a:effectRef>
+          <a:fontRef idx="minor">
+            <a:schemeClr val="dk1"/>
+          </a:fontRef>
+        </p:style>
+        <p:txBody>
+          <a:bodyPr rtlCol="0" anchor="ctr"/>
+          <a:lstStyle/>
+          <a:p>
+            <a:pPr algn="ctr"/>
+            <a:r>
+              <a:rPr lang="fr-FR" dirty="0" smtClean="0">
+                <a:solidFill>
+                  <a:prstClr val="black"/>
+                </a:solidFill>
+              </a:rPr>
+              <a:t>Domaine du laboratoire</a:t>
+            </a:r>
+            <a:endParaRPr lang="fr-FR" dirty="0">
+              <a:solidFill>
+                <a:prstClr val="black"/>
+              </a:solidFill>
+            </a:endParaRPr>
+          </a:p>
+        </p:txBody>
+      </p:sp>
+      <p:sp>
+        <p:nvSpPr>
+          <p:cNvPr id="14" name="Flèche droite 13"/>
+          <p:cNvSpPr/>
+          <p:nvPr/>
+        </p:nvSpPr>
+        <p:spPr>
+          <a:xfrm>
+            <a:off x="2771800" y="5694943"/>
+            <a:ext cx="3037584" cy="716632"/>
+          </a:xfrm>
+          <a:prstGeom prst="rightArrow">
+            <a:avLst/>
+          </a:prstGeom>
+        </p:spPr>
+        <p:style>
+          <a:lnRef idx="1">
+            <a:schemeClr val="accent5"/>
+          </a:lnRef>
+          <a:fillRef idx="2">
+            <a:schemeClr val="accent5"/>
+          </a:fillRef>
+          <a:effectRef idx="1">
+            <a:schemeClr val="accent5"/>
+          </a:effectRef>
+          <a:fontRef idx="minor">
+            <a:schemeClr val="dk1"/>
+          </a:fontRef>
+        </p:style>
+        <p:txBody>
+          <a:bodyPr rtlCol="0" anchor="ctr"/>
+          <a:lstStyle/>
+          <a:p>
+            <a:pPr algn="ctr"/>
+            <a:r>
+              <a:rPr lang="fr-FR" dirty="0" smtClean="0">
+                <a:solidFill>
+                  <a:prstClr val="black"/>
+                </a:solidFill>
+              </a:rPr>
+              <a:t>Domaine de la simulation</a:t>
+            </a:r>
+            <a:endParaRPr lang="fr-FR" dirty="0">
+              <a:solidFill>
+                <a:prstClr val="black"/>
+              </a:solidFill>
+            </a:endParaRPr>
+          </a:p>
+        </p:txBody>
+      </p:sp>
+      <p:sp>
+        <p:nvSpPr>
+          <p:cNvPr id="17" name="ZoneTexte 16"/>
+          <p:cNvSpPr txBox="1"/>
+          <p:nvPr/>
+        </p:nvSpPr>
+        <p:spPr>
+          <a:xfrm>
+            <a:off x="6054788" y="1807966"/>
+            <a:ext cx="1469540" cy="646331"/>
+          </a:xfrm>
+          <a:prstGeom prst="rect">
+            <a:avLst/>
+          </a:prstGeom>
+          <a:noFill/>
+        </p:spPr>
+        <p:txBody>
+          <a:bodyPr wrap="square" rtlCol="0">
+            <a:spAutoFit/>
+          </a:bodyPr>
+          <a:lstStyle/>
+          <a:p>
+            <a:pPr algn="ctr"/>
+            <a:r>
+              <a:rPr lang="fr-FR" dirty="0" smtClean="0">
+                <a:solidFill>
+                  <a:prstClr val="black"/>
+                </a:solidFill>
+              </a:rPr>
+              <a:t>Performances</a:t>
+            </a:r>
+            <a:endParaRPr lang="fr-FR" dirty="0">
+              <a:solidFill>
+                <a:prstClr val="black"/>
+              </a:solidFill>
+            </a:endParaRPr>
+          </a:p>
+          <a:p>
+            <a:pPr algn="ctr"/>
+            <a:r>
+              <a:rPr lang="fr-FR" dirty="0" smtClean="0">
+                <a:solidFill>
+                  <a:prstClr val="black"/>
+                </a:solidFill>
+              </a:rPr>
+              <a:t>attendues</a:t>
+            </a:r>
+            <a:endParaRPr lang="fr-FR" dirty="0">
+              <a:solidFill>
+                <a:prstClr val="black"/>
+              </a:solidFill>
+            </a:endParaRPr>
+          </a:p>
+        </p:txBody>
+      </p:sp>
+      <p:sp>
+        <p:nvSpPr>
+          <p:cNvPr id="18" name="ZoneTexte 17"/>
+          <p:cNvSpPr txBox="1"/>
+          <p:nvPr/>
+        </p:nvSpPr>
+        <p:spPr>
+          <a:xfrm>
+            <a:off x="6054788" y="3815684"/>
+            <a:ext cx="1469540" cy="646331"/>
+          </a:xfrm>
+          <a:prstGeom prst="rect">
+            <a:avLst/>
+          </a:prstGeom>
+          <a:noFill/>
+        </p:spPr>
+        <p:txBody>
+          <a:bodyPr wrap="square" rtlCol="0">
+            <a:spAutoFit/>
+          </a:bodyPr>
+          <a:lstStyle/>
+          <a:p>
+            <a:pPr algn="ctr"/>
+            <a:r>
+              <a:rPr lang="fr-FR" dirty="0" smtClean="0">
+                <a:solidFill>
+                  <a:prstClr val="black"/>
+                </a:solidFill>
+              </a:rPr>
+              <a:t>Performances mesurées</a:t>
+            </a:r>
+            <a:endParaRPr lang="fr-FR" dirty="0">
+              <a:solidFill>
+                <a:prstClr val="black"/>
+              </a:solidFill>
+            </a:endParaRPr>
+          </a:p>
+        </p:txBody>
+      </p:sp>
+      <p:sp>
+        <p:nvSpPr>
+          <p:cNvPr id="19" name="ZoneTexte 18"/>
+          <p:cNvSpPr txBox="1"/>
+          <p:nvPr/>
+        </p:nvSpPr>
+        <p:spPr>
+          <a:xfrm>
+            <a:off x="6054788" y="5730093"/>
+            <a:ext cx="1469540" cy="646331"/>
+          </a:xfrm>
+          <a:prstGeom prst="rect">
+            <a:avLst/>
+          </a:prstGeom>
+          <a:noFill/>
+        </p:spPr>
+        <p:txBody>
+          <a:bodyPr wrap="square" rtlCol="0">
+            <a:spAutoFit/>
+          </a:bodyPr>
+          <a:lstStyle/>
+          <a:p>
+            <a:pPr algn="ctr"/>
+            <a:r>
+              <a:rPr lang="fr-FR" dirty="0" smtClean="0">
+                <a:solidFill>
+                  <a:prstClr val="black"/>
+                </a:solidFill>
+              </a:rPr>
+              <a:t>Performance simulées</a:t>
+            </a:r>
+            <a:endParaRPr lang="fr-FR" dirty="0">
+              <a:solidFill>
+                <a:prstClr val="black"/>
+              </a:solidFill>
+            </a:endParaRPr>
+          </a:p>
+        </p:txBody>
+      </p:sp>
+      <p:sp>
+        <p:nvSpPr>
+          <p:cNvPr id="21" name="Double flèche verticale 20"/>
+          <p:cNvSpPr/>
+          <p:nvPr/>
+        </p:nvSpPr>
+        <p:spPr>
+          <a:xfrm>
+            <a:off x="6537530" y="4564789"/>
+            <a:ext cx="504056" cy="1106764"/>
+          </a:xfrm>
+          <a:prstGeom prst="upDownArrow">
+            <a:avLst/>
+          </a:prstGeom>
+          <a:solidFill>
+            <a:schemeClr val="accent1">
+              <a:lumMod val="20000"/>
+              <a:lumOff val="80000"/>
+            </a:schemeClr>
+          </a:solidFill>
+          <a:ln>
+            <a:solidFill>
+              <a:schemeClr val="accent1">
+                <a:lumMod val="60000"/>
+                <a:lumOff val="40000"/>
+              </a:schemeClr>
+            </a:solidFill>
+          </a:ln>
+        </p:spPr>
+        <p:style>
+          <a:lnRef idx="2">
+            <a:schemeClr val="accent1">
+              <a:shade val="50000"/>
+            </a:schemeClr>
+          </a:lnRef>
+          <a:fillRef idx="1">
+            <a:schemeClr val="accent1"/>
+          </a:fillRef>
+          <a:effectRef idx="0">
+            <a:schemeClr val="accent1"/>
+          </a:effectRef>
+          <a:fontRef idx="minor">
+            <a:schemeClr val="lt1"/>
+          </a:fontRef>
+        </p:style>
+        <p:txBody>
+          <a:bodyPr rtlCol="0" anchor="ctr"/>
+          <a:lstStyle/>
+          <a:p>
+            <a:pPr algn="ctr"/>
+            <a:endParaRPr lang="fr-FR" sz="500" dirty="0">
+              <a:solidFill>
+                <a:prstClr val="white"/>
+              </a:solidFill>
+            </a:endParaRPr>
+          </a:p>
+        </p:txBody>
+      </p:sp>
+      <p:sp>
+        <p:nvSpPr>
+          <p:cNvPr id="22" name="Double flèche verticale 21"/>
+          <p:cNvSpPr/>
+          <p:nvPr/>
+        </p:nvSpPr>
+        <p:spPr>
+          <a:xfrm>
+            <a:off x="7524328" y="2181856"/>
+            <a:ext cx="504056" cy="3913986"/>
+          </a:xfrm>
+          <a:prstGeom prst="upDownArrow">
+            <a:avLst/>
+          </a:prstGeom>
+          <a:solidFill>
+            <a:schemeClr val="accent1">
+              <a:lumMod val="20000"/>
+              <a:lumOff val="80000"/>
+            </a:schemeClr>
+          </a:solidFill>
+          <a:ln>
+            <a:solidFill>
+              <a:schemeClr val="accent1">
+                <a:lumMod val="60000"/>
+                <a:lumOff val="40000"/>
+              </a:schemeClr>
+            </a:solidFill>
+          </a:ln>
+        </p:spPr>
+        <p:style>
+          <a:lnRef idx="2">
+            <a:schemeClr val="accent1">
+              <a:shade val="50000"/>
+            </a:schemeClr>
+          </a:lnRef>
+          <a:fillRef idx="1">
+            <a:schemeClr val="accent1"/>
+          </a:fillRef>
+          <a:effectRef idx="0">
+            <a:schemeClr val="accent1"/>
+          </a:effectRef>
+          <a:fontRef idx="minor">
+            <a:schemeClr val="lt1"/>
+          </a:fontRef>
+        </p:style>
+        <p:txBody>
+          <a:bodyPr rtlCol="0" anchor="ctr"/>
+          <a:lstStyle/>
+          <a:p>
+            <a:pPr algn="ctr"/>
+            <a:endParaRPr lang="fr-FR" sz="500" dirty="0">
+              <a:solidFill>
+                <a:prstClr val="white"/>
+              </a:solidFill>
+            </a:endParaRPr>
+          </a:p>
+        </p:txBody>
+      </p:sp>
+      <p:sp>
+        <p:nvSpPr>
+          <p:cNvPr id="23" name="ZoneTexte 22"/>
+          <p:cNvSpPr txBox="1"/>
+          <p:nvPr/>
+        </p:nvSpPr>
+        <p:spPr>
+          <a:xfrm rot="16200000">
+            <a:off x="5282735" y="2945424"/>
+            <a:ext cx="1944216" cy="400110"/>
+          </a:xfrm>
+          <a:prstGeom prst="rect">
+            <a:avLst/>
+          </a:prstGeom>
+          <a:noFill/>
+        </p:spPr>
+        <p:txBody>
+          <a:bodyPr wrap="square" rtlCol="0">
+            <a:spAutoFit/>
+          </a:bodyPr>
+          <a:lstStyle/>
+          <a:p>
+            <a:pPr algn="ctr"/>
+            <a:r>
+              <a:rPr lang="fr-FR" sz="2000" b="1" dirty="0">
+                <a:solidFill>
+                  <a:srgbClr val="FF0000"/>
+                </a:solidFill>
+              </a:rPr>
+              <a:t>Ecart 1</a:t>
+            </a:r>
+          </a:p>
+        </p:txBody>
+      </p:sp>
+      <p:sp>
+        <p:nvSpPr>
+          <p:cNvPr id="24" name="ZoneTexte 23"/>
+          <p:cNvSpPr txBox="1"/>
+          <p:nvPr/>
+        </p:nvSpPr>
+        <p:spPr>
+          <a:xfrm rot="16200000">
+            <a:off x="5282294" y="4923679"/>
+            <a:ext cx="1944216" cy="400110"/>
+          </a:xfrm>
+          <a:prstGeom prst="rect">
+            <a:avLst/>
+          </a:prstGeom>
+          <a:noFill/>
+        </p:spPr>
+        <p:txBody>
+          <a:bodyPr wrap="square" rtlCol="0">
+            <a:spAutoFit/>
+          </a:bodyPr>
+          <a:lstStyle/>
+          <a:p>
+            <a:pPr algn="ctr"/>
+            <a:r>
+              <a:rPr lang="fr-FR" sz="2000" b="1" dirty="0">
+                <a:solidFill>
+                  <a:srgbClr val="FF0000"/>
+                </a:solidFill>
+              </a:rPr>
+              <a:t>Ecart 2</a:t>
+            </a:r>
+          </a:p>
+        </p:txBody>
+      </p:sp>
+      <p:sp>
+        <p:nvSpPr>
+          <p:cNvPr id="25" name="ZoneTexte 24"/>
+          <p:cNvSpPr txBox="1"/>
+          <p:nvPr/>
+        </p:nvSpPr>
+        <p:spPr>
+          <a:xfrm rot="16200000">
+            <a:off x="7072245" y="3938794"/>
+            <a:ext cx="1944216" cy="400110"/>
+          </a:xfrm>
+          <a:prstGeom prst="rect">
+            <a:avLst/>
+          </a:prstGeom>
+          <a:noFill/>
+        </p:spPr>
+        <p:txBody>
+          <a:bodyPr wrap="square" rtlCol="0">
+            <a:spAutoFit/>
+          </a:bodyPr>
+          <a:lstStyle/>
+          <a:p>
+            <a:pPr algn="ctr"/>
+            <a:r>
+              <a:rPr lang="fr-FR" sz="2000" b="1" dirty="0">
+                <a:solidFill>
+                  <a:srgbClr val="FF0000"/>
+                </a:solidFill>
+              </a:rPr>
+              <a:t>Ecart 3</a:t>
+            </a:r>
+          </a:p>
+        </p:txBody>
+      </p:sp>
+      <p:sp>
+        <p:nvSpPr>
+          <p:cNvPr id="20" name="Double flèche verticale 19"/>
+          <p:cNvSpPr/>
+          <p:nvPr/>
+        </p:nvSpPr>
+        <p:spPr>
+          <a:xfrm>
+            <a:off x="6537530" y="2613359"/>
+            <a:ext cx="504056" cy="1106764"/>
+          </a:xfrm>
+          <a:prstGeom prst="upDownArrow">
+            <a:avLst/>
+          </a:prstGeom>
+          <a:solidFill>
+            <a:schemeClr val="accent1">
+              <a:lumMod val="20000"/>
+              <a:lumOff val="80000"/>
+            </a:schemeClr>
+          </a:solidFill>
+          <a:ln>
+            <a:solidFill>
+              <a:schemeClr val="accent1">
+                <a:lumMod val="60000"/>
+                <a:lumOff val="40000"/>
+              </a:schemeClr>
+            </a:solidFill>
+          </a:ln>
+        </p:spPr>
+        <p:style>
+          <a:lnRef idx="2">
+            <a:schemeClr val="accent1">
+              <a:shade val="50000"/>
+            </a:schemeClr>
+          </a:lnRef>
+          <a:fillRef idx="1">
+            <a:schemeClr val="accent1"/>
+          </a:fillRef>
+          <a:effectRef idx="0">
+            <a:schemeClr val="accent1"/>
+          </a:effectRef>
+          <a:fontRef idx="minor">
+            <a:schemeClr val="lt1"/>
+          </a:fontRef>
+        </p:style>
+        <p:txBody>
+          <a:bodyPr rtlCol="0" anchor="ctr"/>
+          <a:lstStyle/>
+          <a:p>
+            <a:pPr algn="ctr"/>
+            <a:r>
+              <a:rPr lang="fr-FR" sz="500" dirty="0" smtClean="0">
+                <a:solidFill>
+                  <a:prstClr val="white"/>
+                </a:solidFill>
+              </a:rPr>
+              <a:t>  </a:t>
+            </a:r>
+            <a:endParaRPr lang="fr-FR" sz="500" dirty="0">
+              <a:solidFill>
+                <a:prstClr val="white"/>
+              </a:solidFill>
+            </a:endParaRPr>
+          </a:p>
+        </p:txBody>
+      </p:sp>
+      <p:pic>
+        <p:nvPicPr>
+          <p:cNvPr id="1026" name="Picture 2"/>
+          <p:cNvPicPr>
+            <a:picLocks noChangeAspect="1" noChangeArrowheads="1"/>
+          </p:cNvPicPr>
+          <p:nvPr/>
+        </p:nvPicPr>
+        <p:blipFill>
+          <a:blip r:embed="rId3" cstate="print">
+            <a:extLst>
+              <a:ext uri="{28A0092B-C50C-407E-A947-70E740481C1C}">
+                <a14:useLocalDpi xmlns:a14="http://schemas.microsoft.com/office/drawing/2010/main" val="0"/>
+              </a:ext>
+            </a:extLst>
+          </a:blip>
+          <a:srcRect/>
+          <a:stretch>
+            <a:fillRect/>
+          </a:stretch>
+        </p:blipFill>
+        <p:spPr bwMode="auto">
+          <a:xfrm>
+            <a:off x="395536" y="1394591"/>
+            <a:ext cx="2110186" cy="1473080"/>
+          </a:xfrm>
+          <a:prstGeom prst="rect">
+            <a:avLst/>
+          </a:prstGeom>
+          <a:ln>
+            <a:noFill/>
+          </a:ln>
+          <a:effectLst>
+            <a:outerShdw blurRad="292100" dist="139700" dir="2700000" algn="tl" rotWithShape="0">
+              <a:srgbClr val="333333">
+                <a:alpha val="65000"/>
+              </a:srgbClr>
+            </a:outerShdw>
+          </a:effectLst>
+          <a:extLst>
+            <a:ext uri="{909E8E84-426E-40DD-AFC4-6F175D3DCCD1}">
+              <a14:hiddenFill xmlns:a14="http://schemas.microsoft.com/office/drawing/2010/main">
+                <a:solidFill>
+                  <a:schemeClr val="accent1"/>
+                </a:solidFill>
+              </a14:hiddenFill>
+            </a:ext>
+            <a:ext uri="{91240B29-F687-4F45-9708-019B960494DF}">
+              <a14:hiddenLine xmlns:a14="http://schemas.microsoft.com/office/drawing/2010/main" w="9525">
+                <a:solidFill>
+                  <a:schemeClr val="tx1"/>
+                </a:solidFill>
+                <a:miter lim="800000"/>
+                <a:headEnd/>
+                <a:tailEnd/>
+              </a14:hiddenLine>
+            </a:ext>
+            <a:ext uri="{AF507438-7753-43E0-B8FC-AC1667EBCBE1}">
+              <a14:hiddenEffects xmlns:a14="http://schemas.microsoft.com/office/drawing/2010/main">
+                <a:effectLst>
+                  <a:outerShdw dist="35921" dir="2700000" algn="ctr" rotWithShape="0">
+                    <a:schemeClr val="bg2"/>
+                  </a:outerShdw>
+                </a:effectLst>
+              </a14:hiddenEffects>
+            </a:ext>
+          </a:extLst>
+        </p:spPr>
+      </p:pic>
+      <p:pic>
+        <p:nvPicPr>
+          <p:cNvPr id="2050" name="Picture 2"/>
+          <p:cNvPicPr>
+            <a:picLocks noChangeAspect="1" noChangeArrowheads="1"/>
+          </p:cNvPicPr>
+          <p:nvPr/>
+        </p:nvPicPr>
+        <p:blipFill>
+          <a:blip r:embed="rId4" cstate="print">
+            <a:extLst>
+              <a:ext uri="{28A0092B-C50C-407E-A947-70E740481C1C}">
+                <a14:useLocalDpi xmlns:a14="http://schemas.microsoft.com/office/drawing/2010/main" val="0"/>
+              </a:ext>
+            </a:extLst>
+          </a:blip>
+          <a:srcRect/>
+          <a:stretch>
+            <a:fillRect/>
+          </a:stretch>
+        </p:blipFill>
+        <p:spPr bwMode="auto">
+          <a:xfrm>
+            <a:off x="395535" y="3237074"/>
+            <a:ext cx="2041167" cy="1416061"/>
+          </a:xfrm>
+          <a:prstGeom prst="rect">
+            <a:avLst/>
+          </a:prstGeom>
+          <a:ln>
+            <a:noFill/>
+          </a:ln>
+          <a:effectLst>
+            <a:outerShdw blurRad="292100" dist="139700" dir="2700000" algn="tl" rotWithShape="0">
+              <a:srgbClr val="333333">
+                <a:alpha val="65000"/>
+              </a:srgbClr>
+            </a:outerShdw>
+          </a:effectLst>
+          <a:extLst>
+            <a:ext uri="{909E8E84-426E-40DD-AFC4-6F175D3DCCD1}">
+              <a14:hiddenFill xmlns:a14="http://schemas.microsoft.com/office/drawing/2010/main">
+                <a:solidFill>
+                  <a:schemeClr val="accent1"/>
+                </a:solidFill>
+              </a14:hiddenFill>
+            </a:ext>
+            <a:ext uri="{91240B29-F687-4F45-9708-019B960494DF}">
+              <a14:hiddenLine xmlns:a14="http://schemas.microsoft.com/office/drawing/2010/main" w="9525">
+                <a:solidFill>
+                  <a:schemeClr val="tx1"/>
+                </a:solidFill>
+                <a:miter lim="800000"/>
+                <a:headEnd/>
+                <a:tailEnd/>
+              </a14:hiddenLine>
+            </a:ext>
+            <a:ext uri="{AF507438-7753-43E0-B8FC-AC1667EBCBE1}">
+              <a14:hiddenEffects xmlns:a14="http://schemas.microsoft.com/office/drawing/2010/main">
+                <a:effectLst>
+                  <a:outerShdw dist="35921" dir="2700000" algn="ctr" rotWithShape="0">
+                    <a:schemeClr val="bg2"/>
+                  </a:outerShdw>
+                </a:effectLst>
+              </a14:hiddenEffects>
+            </a:ext>
+          </a:extLst>
+        </p:spPr>
+      </p:pic>
+      <p:pic>
+        <p:nvPicPr>
+          <p:cNvPr id="2052" name="Picture 4"/>
+          <p:cNvPicPr>
+            <a:picLocks noChangeAspect="1" noChangeArrowheads="1"/>
+          </p:cNvPicPr>
+          <p:nvPr/>
+        </p:nvPicPr>
+        <p:blipFill rotWithShape="1">
+          <a:blip r:embed="rId5" cstate="print">
+            <a:extLst>
+              <a:ext uri="{28A0092B-C50C-407E-A947-70E740481C1C}">
+                <a14:useLocalDpi xmlns:a14="http://schemas.microsoft.com/office/drawing/2010/main" val="0"/>
+              </a:ext>
+            </a:extLst>
+          </a:blip>
+          <a:srcRect r="46224" b="18513"/>
+          <a:stretch/>
+        </p:blipFill>
+        <p:spPr bwMode="auto">
+          <a:xfrm>
+            <a:off x="339295" y="4966913"/>
+            <a:ext cx="1350503" cy="1159717"/>
+          </a:xfrm>
+          <a:prstGeom prst="rect">
+            <a:avLst/>
+          </a:prstGeom>
+          <a:ln>
+            <a:noFill/>
+          </a:ln>
+          <a:effectLst>
+            <a:outerShdw blurRad="292100" dist="139700" dir="2700000" algn="tl" rotWithShape="0">
+              <a:srgbClr val="333333">
+                <a:alpha val="65000"/>
+              </a:srgbClr>
+            </a:outerShdw>
+          </a:effectLst>
+          <a:scene3d>
+            <a:camera prst="isometricOffAxis1Right"/>
+            <a:lightRig rig="threePt" dir="t"/>
+          </a:scene3d>
+          <a:extLst>
+            <a:ext uri="{909E8E84-426E-40DD-AFC4-6F175D3DCCD1}">
+              <a14:hiddenFill xmlns:a14="http://schemas.microsoft.com/office/drawing/2010/main">
+                <a:solidFill>
+                  <a:schemeClr val="accent1"/>
+                </a:solidFill>
+              </a14:hiddenFill>
+            </a:ext>
+            <a:ext uri="{91240B29-F687-4F45-9708-019B960494DF}">
+              <a14:hiddenLine xmlns:a14="http://schemas.microsoft.com/office/drawing/2010/main" w="9525">
+                <a:solidFill>
+                  <a:schemeClr val="tx1"/>
+                </a:solidFill>
+                <a:miter lim="800000"/>
+                <a:headEnd/>
+                <a:tailEnd/>
+              </a14:hiddenLine>
+            </a:ext>
+            <a:ext uri="{AF507438-7753-43E0-B8FC-AC1667EBCBE1}">
+              <a14:hiddenEffects xmlns:a14="http://schemas.microsoft.com/office/drawing/2010/main">
+                <a:effectLst>
+                  <a:outerShdw dist="35921" dir="2700000" algn="ctr" rotWithShape="0">
+                    <a:schemeClr val="bg2"/>
+                  </a:outerShdw>
+                </a:effectLst>
+              </a14:hiddenEffects>
+            </a:ext>
+          </a:extLst>
+        </p:spPr>
+      </p:pic>
+    </p:spTree>
+    <p:extLst>
+      <p:ext uri="{BB962C8B-B14F-4D97-AF65-F5344CB8AC3E}">
+        <p14:creationId xmlns:p14="http://schemas.microsoft.com/office/powerpoint/2010/main" val="918188242"/>
+      </p:ext>
+    </p:extLst>
+  </p:cSld>
+  <p:clrMapOvr>
+    <a:masterClrMapping/>
+  </p:clrMapOvr>
+  <p:timing>
+    <p:tnLst>
+      <p:par>
+        <p:cTn id="1" dur="indefinite" restart="never" nodeType="tmRoot"/>
+      </p:par>
+    </p:tnLst>
+  </p:timing>
+</p:sld>
+</file>
+
+<file path=ppt/slides/slide3.xml><?xml version="1.0" encoding="utf-8"?>
+<p:sld xmlns:a="http://schemas.openxmlformats.org/drawingml/2006/main" xmlns:r="http://schemas.openxmlformats.org/officeDocument/2006/relationships" xmlns:p="http://schemas.openxmlformats.org/presentationml/2006/main">
+  <p:cSld>
+    <p:spTree>
+      <p:nvGrpSpPr>
+        <p:cNvPr id="1" name=""/>
+        <p:cNvGrpSpPr/>
+        <p:nvPr/>
+      </p:nvGrpSpPr>
+      <p:grpSpPr>
+        <a:xfrm>
+          <a:off x="0" y="0"/>
+          <a:ext cx="0" cy="0"/>
+          <a:chOff x="0" y="0"/>
+          <a:chExt cx="0" cy="0"/>
+        </a:xfrm>
+      </p:grpSpPr>
+      <p:pic>
+        <p:nvPicPr>
           <p:cNvPr id="10243" name="Picture 3"/>
           <p:cNvPicPr>
             <a:picLocks noChangeAspect="1" noChangeArrowheads="1"/>
